--- a/БФ/2.16  Распространение неврного импульса.pptx
+++ b/БФ/2.16  Распространение неврного импульса.pptx
@@ -8,8 +8,8 @@
     <p:sldId id="256" r:id="rId2"/>
     <p:sldId id="257" r:id="rId3"/>
     <p:sldId id="258" r:id="rId4"/>
-    <p:sldId id="259" r:id="rId5"/>
-    <p:sldId id="260" r:id="rId6"/>
+    <p:sldId id="260" r:id="rId5"/>
+    <p:sldId id="261" r:id="rId6"/>
   </p:sldIdLst>
   <p:sldSz cx="12192000" cy="6858000"/>
   <p:notesSz cx="6858000" cy="9144000"/>
@@ -108,7 +108,1016 @@
       </a:defRPr>
     </a:lvl9pPr>
   </p:defaultTextStyle>
+  <p:extLst>
+    <p:ext uri="{EFAFB233-063F-42B5-8137-9DF3F51BA10A}">
+      <p15:sldGuideLst xmlns:p15="http://schemas.microsoft.com/office/powerpoint/2012/main"/>
+    </p:ext>
+  </p:extLst>
 </p:presentation>
+</file>
+
+<file path=ppt/charts/chart1.xml><?xml version="1.0" encoding="utf-8"?>
+<c:chartSpace xmlns:c="http://schemas.openxmlformats.org/drawingml/2006/chart" xmlns:a="http://schemas.openxmlformats.org/drawingml/2006/main" xmlns:r="http://schemas.openxmlformats.org/officeDocument/2006/relationships" xmlns:c16r2="http://schemas.microsoft.com/office/drawing/2015/06/chart">
+  <c:date1904 val="0"/>
+  <c:lang val="ru-RU"/>
+  <c:roundedCorners val="0"/>
+  <mc:AlternateContent xmlns:mc="http://schemas.openxmlformats.org/markup-compatibility/2006">
+    <mc:Choice xmlns:c14="http://schemas.microsoft.com/office/drawing/2007/8/2/chart" Requires="c14">
+      <c14:style val="102"/>
+    </mc:Choice>
+    <mc:Fallback>
+      <c:style val="2"/>
+    </mc:Fallback>
+  </mc:AlternateContent>
+  <c:chart>
+    <c:title>
+      <c:tx>
+        <c:rich>
+          <a:bodyPr rot="0" spcFirstLastPara="1" vertOverflow="ellipsis" vert="horz" wrap="square" anchor="ctr" anchorCtr="1"/>
+          <a:lstStyle/>
+          <a:p>
+            <a:pPr>
+              <a:defRPr sz="1400" b="0" i="0" u="none" strike="noStrike" kern="1200" spc="0" baseline="0">
+                <a:solidFill>
+                  <a:schemeClr val="tx1">
+                    <a:lumMod val="65000"/>
+                    <a:lumOff val="35000"/>
+                  </a:schemeClr>
+                </a:solidFill>
+                <a:latin typeface="+mn-lt"/>
+                <a:ea typeface="+mn-ea"/>
+                <a:cs typeface="+mn-cs"/>
+              </a:defRPr>
+            </a:pPr>
+            <a:r>
+              <a:rPr lang="ru-RU" dirty="0">
+                <a:latin typeface="EoSD" pitchFamily="2" charset="0"/>
+              </a:rPr>
+              <a:t>Зависимость</a:t>
+            </a:r>
+            <a:r>
+              <a:rPr lang="ru-RU" baseline="0" dirty="0">
+                <a:latin typeface="EoSD" pitchFamily="2" charset="0"/>
+              </a:rPr>
+              <a:t> скорости проведения от толщины миелиновой оболочки</a:t>
+            </a:r>
+            <a:endParaRPr lang="ru-RU" dirty="0">
+              <a:latin typeface="EoSD" pitchFamily="2" charset="0"/>
+            </a:endParaRPr>
+          </a:p>
+        </c:rich>
+      </c:tx>
+      <c:overlay val="0"/>
+      <c:spPr>
+        <a:noFill/>
+        <a:ln>
+          <a:noFill/>
+        </a:ln>
+        <a:effectLst/>
+      </c:spPr>
+      <c:txPr>
+        <a:bodyPr rot="0" spcFirstLastPara="1" vertOverflow="ellipsis" vert="horz" wrap="square" anchor="ctr" anchorCtr="1"/>
+        <a:lstStyle/>
+        <a:p>
+          <a:pPr>
+            <a:defRPr sz="1400" b="0" i="0" u="none" strike="noStrike" kern="1200" spc="0" baseline="0">
+              <a:solidFill>
+                <a:schemeClr val="tx1">
+                  <a:lumMod val="65000"/>
+                  <a:lumOff val="35000"/>
+                </a:schemeClr>
+              </a:solidFill>
+              <a:latin typeface="+mn-lt"/>
+              <a:ea typeface="+mn-ea"/>
+              <a:cs typeface="+mn-cs"/>
+            </a:defRPr>
+          </a:pPr>
+          <a:endParaRPr lang="en-US"/>
+        </a:p>
+      </c:txPr>
+    </c:title>
+    <c:autoTitleDeleted val="0"/>
+    <c:plotArea>
+      <c:layout/>
+      <c:scatterChart>
+        <c:scatterStyle val="lineMarker"/>
+        <c:varyColors val="0"/>
+        <c:ser>
+          <c:idx val="0"/>
+          <c:order val="0"/>
+          <c:spPr>
+            <a:ln w="19050" cap="rnd">
+              <a:solidFill>
+                <a:schemeClr val="accent1"/>
+              </a:solidFill>
+              <a:round/>
+            </a:ln>
+            <a:effectLst/>
+          </c:spPr>
+          <c:marker>
+            <c:symbol val="circle"/>
+            <c:size val="5"/>
+            <c:spPr>
+              <a:solidFill>
+                <a:schemeClr val="accent1"/>
+              </a:solidFill>
+              <a:ln w="9525">
+                <a:solidFill>
+                  <a:schemeClr val="accent1"/>
+                </a:solidFill>
+              </a:ln>
+              <a:effectLst/>
+            </c:spPr>
+          </c:marker>
+          <c:xVal>
+            <c:numRef>
+              <c:f>Лист1!$A$1:$A$5</c:f>
+              <c:numCache>
+                <c:formatCode>General</c:formatCode>
+                <c:ptCount val="5"/>
+                <c:pt idx="0">
+                  <c:v>20</c:v>
+                </c:pt>
+                <c:pt idx="1">
+                  <c:v>12</c:v>
+                </c:pt>
+                <c:pt idx="2">
+                  <c:v>5</c:v>
+                </c:pt>
+                <c:pt idx="3">
+                  <c:v>1.5</c:v>
+                </c:pt>
+                <c:pt idx="4">
+                  <c:v>0.2</c:v>
+                </c:pt>
+              </c:numCache>
+            </c:numRef>
+          </c:xVal>
+          <c:yVal>
+            <c:numRef>
+              <c:f>Лист1!$B$1:$B$5</c:f>
+              <c:numCache>
+                <c:formatCode>General</c:formatCode>
+                <c:ptCount val="5"/>
+                <c:pt idx="0">
+                  <c:v>120</c:v>
+                </c:pt>
+                <c:pt idx="1">
+                  <c:v>75</c:v>
+                </c:pt>
+                <c:pt idx="2">
+                  <c:v>30</c:v>
+                </c:pt>
+                <c:pt idx="3">
+                  <c:v>2</c:v>
+                </c:pt>
+                <c:pt idx="4">
+                  <c:v>0.5</c:v>
+                </c:pt>
+              </c:numCache>
+            </c:numRef>
+          </c:yVal>
+          <c:smooth val="0"/>
+          <c:extLst>
+            <c:ext xmlns:c16="http://schemas.microsoft.com/office/drawing/2014/chart" uri="{C3380CC4-5D6E-409C-BE32-E72D297353CC}">
+              <c16:uniqueId val="{00000000-1B24-48F0-9648-6F4CC40190E6}"/>
+            </c:ext>
+          </c:extLst>
+        </c:ser>
+        <c:dLbls>
+          <c:showLegendKey val="0"/>
+          <c:showVal val="0"/>
+          <c:showCatName val="0"/>
+          <c:showSerName val="0"/>
+          <c:showPercent val="0"/>
+          <c:showBubbleSize val="0"/>
+        </c:dLbls>
+        <c:axId val="132754784"/>
+        <c:axId val="132766848"/>
+      </c:scatterChart>
+      <c:valAx>
+        <c:axId val="132754784"/>
+        <c:scaling>
+          <c:orientation val="minMax"/>
+        </c:scaling>
+        <c:delete val="0"/>
+        <c:axPos val="b"/>
+        <c:majorGridlines>
+          <c:spPr>
+            <a:ln w="9525" cap="flat" cmpd="sng" algn="ctr">
+              <a:solidFill>
+                <a:schemeClr val="tx1">
+                  <a:lumMod val="15000"/>
+                  <a:lumOff val="85000"/>
+                </a:schemeClr>
+              </a:solidFill>
+              <a:round/>
+            </a:ln>
+            <a:effectLst/>
+          </c:spPr>
+        </c:majorGridlines>
+        <c:title>
+          <c:tx>
+            <c:rich>
+              <a:bodyPr rot="0" spcFirstLastPara="1" vertOverflow="ellipsis" vert="horz" wrap="square" anchor="ctr" anchorCtr="1"/>
+              <a:lstStyle/>
+              <a:p>
+                <a:pPr>
+                  <a:defRPr sz="1000" b="0" i="0" u="none" strike="noStrike" kern="1200" baseline="0">
+                    <a:solidFill>
+                      <a:schemeClr val="tx1">
+                        <a:lumMod val="65000"/>
+                        <a:lumOff val="35000"/>
+                      </a:schemeClr>
+                    </a:solidFill>
+                    <a:latin typeface="+mn-lt"/>
+                    <a:ea typeface="+mn-ea"/>
+                    <a:cs typeface="+mn-cs"/>
+                  </a:defRPr>
+                </a:pPr>
+                <a:r>
+                  <a:rPr lang="ru-RU"/>
+                  <a:t>мкм</a:t>
+                </a:r>
+              </a:p>
+            </c:rich>
+          </c:tx>
+          <c:overlay val="0"/>
+          <c:spPr>
+            <a:noFill/>
+            <a:ln>
+              <a:noFill/>
+            </a:ln>
+            <a:effectLst/>
+          </c:spPr>
+          <c:txPr>
+            <a:bodyPr rot="0" spcFirstLastPara="1" vertOverflow="ellipsis" vert="horz" wrap="square" anchor="ctr" anchorCtr="1"/>
+            <a:lstStyle/>
+            <a:p>
+              <a:pPr>
+                <a:defRPr sz="1000" b="0" i="0" u="none" strike="noStrike" kern="1200" baseline="0">
+                  <a:solidFill>
+                    <a:schemeClr val="tx1">
+                      <a:lumMod val="65000"/>
+                      <a:lumOff val="35000"/>
+                    </a:schemeClr>
+                  </a:solidFill>
+                  <a:latin typeface="+mn-lt"/>
+                  <a:ea typeface="+mn-ea"/>
+                  <a:cs typeface="+mn-cs"/>
+                </a:defRPr>
+              </a:pPr>
+              <a:endParaRPr lang="en-US"/>
+            </a:p>
+          </c:txPr>
+        </c:title>
+        <c:numFmt formatCode="General" sourceLinked="1"/>
+        <c:majorTickMark val="none"/>
+        <c:minorTickMark val="none"/>
+        <c:tickLblPos val="nextTo"/>
+        <c:spPr>
+          <a:noFill/>
+          <a:ln w="9525" cap="flat" cmpd="sng" algn="ctr">
+            <a:solidFill>
+              <a:schemeClr val="tx1">
+                <a:lumMod val="25000"/>
+                <a:lumOff val="75000"/>
+              </a:schemeClr>
+            </a:solidFill>
+            <a:round/>
+          </a:ln>
+          <a:effectLst/>
+        </c:spPr>
+        <c:txPr>
+          <a:bodyPr rot="-60000000" spcFirstLastPara="1" vertOverflow="ellipsis" vert="horz" wrap="square" anchor="ctr" anchorCtr="1"/>
+          <a:lstStyle/>
+          <a:p>
+            <a:pPr>
+              <a:defRPr sz="900" b="0" i="0" u="none" strike="noStrike" kern="1200" baseline="0">
+                <a:solidFill>
+                  <a:schemeClr val="tx1">
+                    <a:lumMod val="65000"/>
+                    <a:lumOff val="35000"/>
+                  </a:schemeClr>
+                </a:solidFill>
+                <a:latin typeface="+mn-lt"/>
+                <a:ea typeface="+mn-ea"/>
+                <a:cs typeface="+mn-cs"/>
+              </a:defRPr>
+            </a:pPr>
+            <a:endParaRPr lang="en-US"/>
+          </a:p>
+        </c:txPr>
+        <c:crossAx val="132766848"/>
+        <c:crosses val="autoZero"/>
+        <c:crossBetween val="midCat"/>
+      </c:valAx>
+      <c:valAx>
+        <c:axId val="132766848"/>
+        <c:scaling>
+          <c:orientation val="minMax"/>
+        </c:scaling>
+        <c:delete val="0"/>
+        <c:axPos val="l"/>
+        <c:majorGridlines>
+          <c:spPr>
+            <a:ln w="9525" cap="flat" cmpd="sng" algn="ctr">
+              <a:solidFill>
+                <a:schemeClr val="tx1">
+                  <a:lumMod val="15000"/>
+                  <a:lumOff val="85000"/>
+                </a:schemeClr>
+              </a:solidFill>
+              <a:round/>
+            </a:ln>
+            <a:effectLst/>
+          </c:spPr>
+        </c:majorGridlines>
+        <c:title>
+          <c:tx>
+            <c:rich>
+              <a:bodyPr rot="-5400000" spcFirstLastPara="1" vertOverflow="ellipsis" vert="horz" wrap="square" anchor="ctr" anchorCtr="1"/>
+              <a:lstStyle/>
+              <a:p>
+                <a:pPr>
+                  <a:defRPr sz="1000" b="0" i="0" u="none" strike="noStrike" kern="1200" baseline="0">
+                    <a:solidFill>
+                      <a:schemeClr val="tx1">
+                        <a:lumMod val="65000"/>
+                        <a:lumOff val="35000"/>
+                      </a:schemeClr>
+                    </a:solidFill>
+                    <a:latin typeface="+mn-lt"/>
+                    <a:ea typeface="+mn-ea"/>
+                    <a:cs typeface="+mn-cs"/>
+                  </a:defRPr>
+                </a:pPr>
+                <a:r>
+                  <a:rPr lang="ru-RU"/>
+                  <a:t>м/с</a:t>
+                </a:r>
+              </a:p>
+            </c:rich>
+          </c:tx>
+          <c:overlay val="0"/>
+          <c:spPr>
+            <a:noFill/>
+            <a:ln>
+              <a:noFill/>
+            </a:ln>
+            <a:effectLst/>
+          </c:spPr>
+          <c:txPr>
+            <a:bodyPr rot="-5400000" spcFirstLastPara="1" vertOverflow="ellipsis" vert="horz" wrap="square" anchor="ctr" anchorCtr="1"/>
+            <a:lstStyle/>
+            <a:p>
+              <a:pPr>
+                <a:defRPr sz="1000" b="0" i="0" u="none" strike="noStrike" kern="1200" baseline="0">
+                  <a:solidFill>
+                    <a:schemeClr val="tx1">
+                      <a:lumMod val="65000"/>
+                      <a:lumOff val="35000"/>
+                    </a:schemeClr>
+                  </a:solidFill>
+                  <a:latin typeface="+mn-lt"/>
+                  <a:ea typeface="+mn-ea"/>
+                  <a:cs typeface="+mn-cs"/>
+                </a:defRPr>
+              </a:pPr>
+              <a:endParaRPr lang="en-US"/>
+            </a:p>
+          </c:txPr>
+        </c:title>
+        <c:numFmt formatCode="General" sourceLinked="1"/>
+        <c:majorTickMark val="none"/>
+        <c:minorTickMark val="none"/>
+        <c:tickLblPos val="nextTo"/>
+        <c:spPr>
+          <a:noFill/>
+          <a:ln w="9525" cap="flat" cmpd="sng" algn="ctr">
+            <a:solidFill>
+              <a:schemeClr val="tx1">
+                <a:lumMod val="25000"/>
+                <a:lumOff val="75000"/>
+              </a:schemeClr>
+            </a:solidFill>
+            <a:round/>
+          </a:ln>
+          <a:effectLst/>
+        </c:spPr>
+        <c:txPr>
+          <a:bodyPr rot="-60000000" spcFirstLastPara="1" vertOverflow="ellipsis" vert="horz" wrap="square" anchor="ctr" anchorCtr="1"/>
+          <a:lstStyle/>
+          <a:p>
+            <a:pPr>
+              <a:defRPr sz="900" b="0" i="0" u="none" strike="noStrike" kern="1200" baseline="0">
+                <a:solidFill>
+                  <a:schemeClr val="tx1">
+                    <a:lumMod val="65000"/>
+                    <a:lumOff val="35000"/>
+                  </a:schemeClr>
+                </a:solidFill>
+                <a:latin typeface="+mn-lt"/>
+                <a:ea typeface="+mn-ea"/>
+                <a:cs typeface="+mn-cs"/>
+              </a:defRPr>
+            </a:pPr>
+            <a:endParaRPr lang="en-US"/>
+          </a:p>
+        </c:txPr>
+        <c:crossAx val="132754784"/>
+        <c:crosses val="autoZero"/>
+        <c:crossBetween val="midCat"/>
+      </c:valAx>
+      <c:spPr>
+        <a:noFill/>
+        <a:ln>
+          <a:noFill/>
+        </a:ln>
+        <a:effectLst/>
+      </c:spPr>
+    </c:plotArea>
+    <c:plotVisOnly val="1"/>
+    <c:dispBlanksAs val="gap"/>
+    <c:showDLblsOverMax val="0"/>
+  </c:chart>
+  <c:spPr>
+    <a:noFill/>
+    <a:ln>
+      <a:noFill/>
+    </a:ln>
+    <a:effectLst/>
+  </c:spPr>
+  <c:txPr>
+    <a:bodyPr/>
+    <a:lstStyle/>
+    <a:p>
+      <a:pPr>
+        <a:defRPr/>
+      </a:pPr>
+      <a:endParaRPr lang="en-US"/>
+    </a:p>
+  </c:txPr>
+  <c:externalData r:id="rId3">
+    <c:autoUpdate val="0"/>
+  </c:externalData>
+</c:chartSpace>
+</file>
+
+<file path=ppt/charts/colors1.xml><?xml version="1.0" encoding="utf-8"?>
+<cs:colorStyle xmlns:cs="http://schemas.microsoft.com/office/drawing/2012/chartStyle" xmlns:a="http://schemas.openxmlformats.org/drawingml/2006/main" meth="cycle" id="10">
+  <a:schemeClr val="accent1"/>
+  <a:schemeClr val="accent2"/>
+  <a:schemeClr val="accent3"/>
+  <a:schemeClr val="accent4"/>
+  <a:schemeClr val="accent5"/>
+  <a:schemeClr val="accent6"/>
+  <cs:variation/>
+  <cs:variation>
+    <a:lumMod val="60000"/>
+  </cs:variation>
+  <cs:variation>
+    <a:lumMod val="80000"/>
+    <a:lumOff val="20000"/>
+  </cs:variation>
+  <cs:variation>
+    <a:lumMod val="80000"/>
+  </cs:variation>
+  <cs:variation>
+    <a:lumMod val="60000"/>
+    <a:lumOff val="40000"/>
+  </cs:variation>
+  <cs:variation>
+    <a:lumMod val="50000"/>
+  </cs:variation>
+  <cs:variation>
+    <a:lumMod val="70000"/>
+    <a:lumOff val="30000"/>
+  </cs:variation>
+  <cs:variation>
+    <a:lumMod val="70000"/>
+  </cs:variation>
+  <cs:variation>
+    <a:lumMod val="50000"/>
+    <a:lumOff val="50000"/>
+  </cs:variation>
+</cs:colorStyle>
+</file>
+
+<file path=ppt/charts/style1.xml><?xml version="1.0" encoding="utf-8"?>
+<cs:chartStyle xmlns:cs="http://schemas.microsoft.com/office/drawing/2012/chartStyle" xmlns:a="http://schemas.openxmlformats.org/drawingml/2006/main" id="240">
+  <cs:axisTitle>
+    <cs:lnRef idx="0"/>
+    <cs:fillRef idx="0"/>
+    <cs:effectRef idx="0"/>
+    <cs:fontRef idx="minor">
+      <a:schemeClr val="tx1">
+        <a:lumMod val="65000"/>
+        <a:lumOff val="35000"/>
+      </a:schemeClr>
+    </cs:fontRef>
+    <cs:defRPr sz="1000" kern="1200"/>
+  </cs:axisTitle>
+  <cs:categoryAxis>
+    <cs:lnRef idx="0"/>
+    <cs:fillRef idx="0"/>
+    <cs:effectRef idx="0"/>
+    <cs:fontRef idx="minor">
+      <a:schemeClr val="tx1">
+        <a:lumMod val="65000"/>
+        <a:lumOff val="35000"/>
+      </a:schemeClr>
+    </cs:fontRef>
+    <cs:spPr>
+      <a:ln w="9525" cap="flat" cmpd="sng" algn="ctr">
+        <a:solidFill>
+          <a:schemeClr val="tx1">
+            <a:lumMod val="25000"/>
+            <a:lumOff val="75000"/>
+          </a:schemeClr>
+        </a:solidFill>
+        <a:round/>
+      </a:ln>
+    </cs:spPr>
+    <cs:defRPr sz="900" kern="1200"/>
+  </cs:categoryAxis>
+  <cs:chartArea mods="allowNoFillOverride allowNoLineOverride">
+    <cs:lnRef idx="0"/>
+    <cs:fillRef idx="0"/>
+    <cs:effectRef idx="0"/>
+    <cs:fontRef idx="minor">
+      <a:schemeClr val="tx1"/>
+    </cs:fontRef>
+    <cs:spPr>
+      <a:solidFill>
+        <a:schemeClr val="bg1"/>
+      </a:solidFill>
+      <a:ln w="9525" cap="flat" cmpd="sng" algn="ctr">
+        <a:solidFill>
+          <a:schemeClr val="tx1">
+            <a:lumMod val="15000"/>
+            <a:lumOff val="85000"/>
+          </a:schemeClr>
+        </a:solidFill>
+        <a:round/>
+      </a:ln>
+    </cs:spPr>
+    <cs:defRPr sz="1000" kern="1200"/>
+  </cs:chartArea>
+  <cs:dataLabel>
+    <cs:lnRef idx="0"/>
+    <cs:fillRef idx="0"/>
+    <cs:effectRef idx="0"/>
+    <cs:fontRef idx="minor">
+      <a:schemeClr val="tx1">
+        <a:lumMod val="75000"/>
+        <a:lumOff val="25000"/>
+      </a:schemeClr>
+    </cs:fontRef>
+    <cs:defRPr sz="900" kern="1200"/>
+  </cs:dataLabel>
+  <cs:dataLabelCallout>
+    <cs:lnRef idx="0"/>
+    <cs:fillRef idx="0"/>
+    <cs:effectRef idx="0"/>
+    <cs:fontRef idx="minor">
+      <a:schemeClr val="dk1">
+        <a:lumMod val="65000"/>
+        <a:lumOff val="35000"/>
+      </a:schemeClr>
+    </cs:fontRef>
+    <cs:spPr>
+      <a:solidFill>
+        <a:schemeClr val="lt1"/>
+      </a:solidFill>
+      <a:ln>
+        <a:solidFill>
+          <a:schemeClr val="dk1">
+            <a:lumMod val="25000"/>
+            <a:lumOff val="75000"/>
+          </a:schemeClr>
+        </a:solidFill>
+      </a:ln>
+    </cs:spPr>
+    <cs:defRPr sz="900" kern="1200"/>
+    <cs:bodyPr rot="0" spcFirstLastPara="1" vertOverflow="clip" horzOverflow="clip" vert="horz" wrap="square" lIns="36576" tIns="18288" rIns="36576" bIns="18288" anchor="ctr" anchorCtr="1">
+      <a:spAutoFit/>
+    </cs:bodyPr>
+  </cs:dataLabelCallout>
+  <cs:dataPoint>
+    <cs:lnRef idx="0"/>
+    <cs:fillRef idx="1">
+      <cs:styleClr val="auto"/>
+    </cs:fillRef>
+    <cs:effectRef idx="0"/>
+    <cs:fontRef idx="minor">
+      <a:schemeClr val="tx1"/>
+    </cs:fontRef>
+  </cs:dataPoint>
+  <cs:dataPoint3D>
+    <cs:lnRef idx="0"/>
+    <cs:fillRef idx="1">
+      <cs:styleClr val="auto"/>
+    </cs:fillRef>
+    <cs:effectRef idx="0"/>
+    <cs:fontRef idx="minor">
+      <a:schemeClr val="tx1"/>
+    </cs:fontRef>
+  </cs:dataPoint3D>
+  <cs:dataPointLine>
+    <cs:lnRef idx="0">
+      <cs:styleClr val="auto"/>
+    </cs:lnRef>
+    <cs:fillRef idx="1"/>
+    <cs:effectRef idx="0"/>
+    <cs:fontRef idx="minor">
+      <a:schemeClr val="tx1"/>
+    </cs:fontRef>
+    <cs:spPr>
+      <a:ln w="19050" cap="rnd">
+        <a:solidFill>
+          <a:schemeClr val="phClr"/>
+        </a:solidFill>
+        <a:round/>
+      </a:ln>
+    </cs:spPr>
+  </cs:dataPointLine>
+  <cs:dataPointMarker>
+    <cs:lnRef idx="0">
+      <cs:styleClr val="auto"/>
+    </cs:lnRef>
+    <cs:fillRef idx="1">
+      <cs:styleClr val="auto"/>
+    </cs:fillRef>
+    <cs:effectRef idx="0"/>
+    <cs:fontRef idx="minor">
+      <a:schemeClr val="tx1"/>
+    </cs:fontRef>
+    <cs:spPr>
+      <a:ln w="9525">
+        <a:solidFill>
+          <a:schemeClr val="phClr"/>
+        </a:solidFill>
+      </a:ln>
+    </cs:spPr>
+  </cs:dataPointMarker>
+  <cs:dataPointMarkerLayout symbol="circle" size="5"/>
+  <cs:dataPointWireframe>
+    <cs:lnRef idx="0">
+      <cs:styleClr val="auto"/>
+    </cs:lnRef>
+    <cs:fillRef idx="0"/>
+    <cs:effectRef idx="0"/>
+    <cs:fontRef idx="minor">
+      <a:schemeClr val="dk1"/>
+    </cs:fontRef>
+    <cs:spPr>
+      <a:ln w="9525" cap="rnd">
+        <a:solidFill>
+          <a:schemeClr val="phClr"/>
+        </a:solidFill>
+        <a:round/>
+      </a:ln>
+    </cs:spPr>
+  </cs:dataPointWireframe>
+  <cs:dataTable>
+    <cs:lnRef idx="0"/>
+    <cs:fillRef idx="0"/>
+    <cs:effectRef idx="0"/>
+    <cs:fontRef idx="minor">
+      <a:schemeClr val="tx1">
+        <a:lumMod val="65000"/>
+        <a:lumOff val="35000"/>
+      </a:schemeClr>
+    </cs:fontRef>
+    <cs:spPr>
+      <a:noFill/>
+      <a:ln w="9525" cap="flat" cmpd="sng" algn="ctr">
+        <a:solidFill>
+          <a:schemeClr val="tx1">
+            <a:lumMod val="15000"/>
+            <a:lumOff val="85000"/>
+          </a:schemeClr>
+        </a:solidFill>
+        <a:round/>
+      </a:ln>
+    </cs:spPr>
+    <cs:defRPr sz="900" kern="1200"/>
+  </cs:dataTable>
+  <cs:downBar>
+    <cs:lnRef idx="0"/>
+    <cs:fillRef idx="0"/>
+    <cs:effectRef idx="0"/>
+    <cs:fontRef idx="minor">
+      <a:schemeClr val="tx1"/>
+    </cs:fontRef>
+    <cs:spPr>
+      <a:solidFill>
+        <a:schemeClr val="dk1">
+          <a:lumMod val="75000"/>
+          <a:lumOff val="25000"/>
+        </a:schemeClr>
+      </a:solidFill>
+      <a:ln w="9525" cap="flat" cmpd="sng" algn="ctr">
+        <a:solidFill>
+          <a:schemeClr val="tx1">
+            <a:lumMod val="65000"/>
+            <a:lumOff val="35000"/>
+          </a:schemeClr>
+        </a:solidFill>
+        <a:round/>
+      </a:ln>
+    </cs:spPr>
+  </cs:downBar>
+  <cs:dropLine>
+    <cs:lnRef idx="0"/>
+    <cs:fillRef idx="0"/>
+    <cs:effectRef idx="0"/>
+    <cs:fontRef idx="minor">
+      <a:schemeClr val="tx1"/>
+    </cs:fontRef>
+    <cs:spPr>
+      <a:ln w="9525" cap="flat" cmpd="sng" algn="ctr">
+        <a:solidFill>
+          <a:schemeClr val="tx1">
+            <a:lumMod val="35000"/>
+            <a:lumOff val="65000"/>
+          </a:schemeClr>
+        </a:solidFill>
+        <a:round/>
+      </a:ln>
+    </cs:spPr>
+  </cs:dropLine>
+  <cs:errorBar>
+    <cs:lnRef idx="0"/>
+    <cs:fillRef idx="0"/>
+    <cs:effectRef idx="0"/>
+    <cs:fontRef idx="minor">
+      <a:schemeClr val="tx1"/>
+    </cs:fontRef>
+    <cs:spPr>
+      <a:ln w="9525" cap="flat" cmpd="sng" algn="ctr">
+        <a:solidFill>
+          <a:schemeClr val="tx1">
+            <a:lumMod val="65000"/>
+            <a:lumOff val="35000"/>
+          </a:schemeClr>
+        </a:solidFill>
+        <a:round/>
+      </a:ln>
+    </cs:spPr>
+  </cs:errorBar>
+  <cs:floor>
+    <cs:lnRef idx="0"/>
+    <cs:fillRef idx="0"/>
+    <cs:effectRef idx="0"/>
+    <cs:fontRef idx="minor">
+      <a:schemeClr val="tx1"/>
+    </cs:fontRef>
+    <cs:spPr>
+      <a:noFill/>
+      <a:ln>
+        <a:noFill/>
+      </a:ln>
+    </cs:spPr>
+  </cs:floor>
+  <cs:gridlineMajor>
+    <cs:lnRef idx="0"/>
+    <cs:fillRef idx="0"/>
+    <cs:effectRef idx="0"/>
+    <cs:fontRef idx="minor">
+      <a:schemeClr val="tx1"/>
+    </cs:fontRef>
+    <cs:spPr>
+      <a:ln w="9525" cap="flat" cmpd="sng" algn="ctr">
+        <a:solidFill>
+          <a:schemeClr val="tx1">
+            <a:lumMod val="15000"/>
+            <a:lumOff val="85000"/>
+          </a:schemeClr>
+        </a:solidFill>
+        <a:round/>
+      </a:ln>
+    </cs:spPr>
+  </cs:gridlineMajor>
+  <cs:gridlineMinor>
+    <cs:lnRef idx="0"/>
+    <cs:fillRef idx="0"/>
+    <cs:effectRef idx="0"/>
+    <cs:fontRef idx="minor">
+      <a:schemeClr val="tx1"/>
+    </cs:fontRef>
+    <cs:spPr>
+      <a:ln w="9525" cap="flat" cmpd="sng" algn="ctr">
+        <a:solidFill>
+          <a:schemeClr val="tx1">
+            <a:lumMod val="5000"/>
+            <a:lumOff val="95000"/>
+          </a:schemeClr>
+        </a:solidFill>
+        <a:round/>
+      </a:ln>
+    </cs:spPr>
+  </cs:gridlineMinor>
+  <cs:hiLoLine>
+    <cs:lnRef idx="0"/>
+    <cs:fillRef idx="0"/>
+    <cs:effectRef idx="0"/>
+    <cs:fontRef idx="minor">
+      <a:schemeClr val="tx1"/>
+    </cs:fontRef>
+    <cs:spPr>
+      <a:ln w="9525" cap="flat" cmpd="sng" algn="ctr">
+        <a:solidFill>
+          <a:schemeClr val="tx1">
+            <a:lumMod val="50000"/>
+            <a:lumOff val="50000"/>
+          </a:schemeClr>
+        </a:solidFill>
+        <a:round/>
+      </a:ln>
+    </cs:spPr>
+  </cs:hiLoLine>
+  <cs:leaderLine>
+    <cs:lnRef idx="0"/>
+    <cs:fillRef idx="0"/>
+    <cs:effectRef idx="0"/>
+    <cs:fontRef idx="minor">
+      <a:schemeClr val="tx1"/>
+    </cs:fontRef>
+    <cs:spPr>
+      <a:ln w="9525" cap="flat" cmpd="sng" algn="ctr">
+        <a:solidFill>
+          <a:schemeClr val="tx1">
+            <a:lumMod val="35000"/>
+            <a:lumOff val="65000"/>
+          </a:schemeClr>
+        </a:solidFill>
+        <a:round/>
+      </a:ln>
+    </cs:spPr>
+  </cs:leaderLine>
+  <cs:legend>
+    <cs:lnRef idx="0"/>
+    <cs:fillRef idx="0"/>
+    <cs:effectRef idx="0"/>
+    <cs:fontRef idx="minor">
+      <a:schemeClr val="tx1">
+        <a:lumMod val="65000"/>
+        <a:lumOff val="35000"/>
+      </a:schemeClr>
+    </cs:fontRef>
+    <cs:defRPr sz="900" kern="1200"/>
+  </cs:legend>
+  <cs:plotArea mods="allowNoFillOverride allowNoLineOverride">
+    <cs:lnRef idx="0"/>
+    <cs:fillRef idx="0"/>
+    <cs:effectRef idx="0"/>
+    <cs:fontRef idx="minor">
+      <a:schemeClr val="tx1"/>
+    </cs:fontRef>
+  </cs:plotArea>
+  <cs:plotArea3D mods="allowNoFillOverride allowNoLineOverride">
+    <cs:lnRef idx="0"/>
+    <cs:fillRef idx="0"/>
+    <cs:effectRef idx="0"/>
+    <cs:fontRef idx="minor">
+      <a:schemeClr val="tx1"/>
+    </cs:fontRef>
+  </cs:plotArea3D>
+  <cs:seriesAxis>
+    <cs:lnRef idx="0"/>
+    <cs:fillRef idx="0"/>
+    <cs:effectRef idx="0"/>
+    <cs:fontRef idx="minor">
+      <a:schemeClr val="tx1">
+        <a:lumMod val="65000"/>
+        <a:lumOff val="35000"/>
+      </a:schemeClr>
+    </cs:fontRef>
+    <cs:defRPr sz="900" kern="1200"/>
+  </cs:seriesAxis>
+  <cs:seriesLine>
+    <cs:lnRef idx="0"/>
+    <cs:fillRef idx="0"/>
+    <cs:effectRef idx="0"/>
+    <cs:fontRef idx="minor">
+      <a:schemeClr val="tx1"/>
+    </cs:fontRef>
+    <cs:spPr>
+      <a:ln w="9525" cap="flat" cmpd="sng" algn="ctr">
+        <a:solidFill>
+          <a:schemeClr val="tx1">
+            <a:lumMod val="35000"/>
+            <a:lumOff val="65000"/>
+          </a:schemeClr>
+        </a:solidFill>
+        <a:round/>
+      </a:ln>
+    </cs:spPr>
+  </cs:seriesLine>
+  <cs:title>
+    <cs:lnRef idx="0"/>
+    <cs:fillRef idx="0"/>
+    <cs:effectRef idx="0"/>
+    <cs:fontRef idx="minor">
+      <a:schemeClr val="tx1">
+        <a:lumMod val="65000"/>
+        <a:lumOff val="35000"/>
+      </a:schemeClr>
+    </cs:fontRef>
+    <cs:defRPr sz="1400" b="0" kern="1200" spc="0" baseline="0"/>
+  </cs:title>
+  <cs:trendline>
+    <cs:lnRef idx="0">
+      <cs:styleClr val="auto"/>
+    </cs:lnRef>
+    <cs:fillRef idx="0"/>
+    <cs:effectRef idx="0"/>
+    <cs:fontRef idx="minor">
+      <a:schemeClr val="tx1"/>
+    </cs:fontRef>
+    <cs:spPr>
+      <a:ln w="19050" cap="rnd">
+        <a:solidFill>
+          <a:schemeClr val="phClr"/>
+        </a:solidFill>
+        <a:prstDash val="sysDot"/>
+      </a:ln>
+    </cs:spPr>
+  </cs:trendline>
+  <cs:trendlineLabel>
+    <cs:lnRef idx="0"/>
+    <cs:fillRef idx="0"/>
+    <cs:effectRef idx="0"/>
+    <cs:fontRef idx="minor">
+      <a:schemeClr val="tx1">
+        <a:lumMod val="65000"/>
+        <a:lumOff val="35000"/>
+      </a:schemeClr>
+    </cs:fontRef>
+    <cs:defRPr sz="900" kern="1200"/>
+  </cs:trendlineLabel>
+  <cs:upBar>
+    <cs:lnRef idx="0"/>
+    <cs:fillRef idx="0"/>
+    <cs:effectRef idx="0"/>
+    <cs:fontRef idx="minor">
+      <a:schemeClr val="tx1"/>
+    </cs:fontRef>
+    <cs:spPr>
+      <a:solidFill>
+        <a:schemeClr val="lt1"/>
+      </a:solidFill>
+      <a:ln w="9525" cap="flat" cmpd="sng" algn="ctr">
+        <a:solidFill>
+          <a:schemeClr val="tx1">
+            <a:lumMod val="65000"/>
+            <a:lumOff val="35000"/>
+          </a:schemeClr>
+        </a:solidFill>
+        <a:round/>
+      </a:ln>
+    </cs:spPr>
+  </cs:upBar>
+  <cs:valueAxis>
+    <cs:lnRef idx="0"/>
+    <cs:fillRef idx="0"/>
+    <cs:effectRef idx="0"/>
+    <cs:fontRef idx="minor">
+      <a:schemeClr val="tx1">
+        <a:lumMod val="65000"/>
+        <a:lumOff val="35000"/>
+      </a:schemeClr>
+    </cs:fontRef>
+    <cs:spPr>
+      <a:ln w="9525" cap="flat" cmpd="sng" algn="ctr">
+        <a:solidFill>
+          <a:schemeClr val="tx1">
+            <a:lumMod val="25000"/>
+            <a:lumOff val="75000"/>
+          </a:schemeClr>
+        </a:solidFill>
+        <a:round/>
+      </a:ln>
+    </cs:spPr>
+    <cs:defRPr sz="900" kern="1200"/>
+  </cs:valueAxis>
+  <cs:wall>
+    <cs:lnRef idx="0"/>
+    <cs:fillRef idx="0"/>
+    <cs:effectRef idx="0"/>
+    <cs:fontRef idx="minor">
+      <a:schemeClr val="tx1"/>
+    </cs:fontRef>
+    <cs:spPr>
+      <a:noFill/>
+      <a:ln>
+        <a:noFill/>
+      </a:ln>
+    </cs:spPr>
+  </cs:wall>
+</cs:chartStyle>
 </file>
 
 <file path=ppt/slideLayouts/slideLayout1.xml><?xml version="1.0" encoding="utf-8"?>
@@ -260,7 +1269,7 @@
           <a:p>
             <a:fld id="{825F02D5-E8AB-4E1F-BBBB-FE64A83E11BE}" type="datetimeFigureOut">
               <a:rPr lang="en-US" smtClean="0"/>
-              <a:t>5/23/2024</a:t>
+              <a:t>5/25/2024</a:t>
             </a:fld>
             <a:endParaRPr lang="en-US"/>
           </a:p>
@@ -460,7 +1469,7 @@
           <a:p>
             <a:fld id="{825F02D5-E8AB-4E1F-BBBB-FE64A83E11BE}" type="datetimeFigureOut">
               <a:rPr lang="en-US" smtClean="0"/>
-              <a:t>5/23/2024</a:t>
+              <a:t>5/25/2024</a:t>
             </a:fld>
             <a:endParaRPr lang="en-US"/>
           </a:p>
@@ -670,7 +1679,7 @@
           <a:p>
             <a:fld id="{825F02D5-E8AB-4E1F-BBBB-FE64A83E11BE}" type="datetimeFigureOut">
               <a:rPr lang="en-US" smtClean="0"/>
-              <a:t>5/23/2024</a:t>
+              <a:t>5/25/2024</a:t>
             </a:fld>
             <a:endParaRPr lang="en-US"/>
           </a:p>
@@ -870,7 +1879,7 @@
           <a:p>
             <a:fld id="{825F02D5-E8AB-4E1F-BBBB-FE64A83E11BE}" type="datetimeFigureOut">
               <a:rPr lang="en-US" smtClean="0"/>
-              <a:t>5/23/2024</a:t>
+              <a:t>5/25/2024</a:t>
             </a:fld>
             <a:endParaRPr lang="en-US"/>
           </a:p>
@@ -1146,7 +2155,7 @@
           <a:p>
             <a:fld id="{825F02D5-E8AB-4E1F-BBBB-FE64A83E11BE}" type="datetimeFigureOut">
               <a:rPr lang="en-US" smtClean="0"/>
-              <a:t>5/23/2024</a:t>
+              <a:t>5/25/2024</a:t>
             </a:fld>
             <a:endParaRPr lang="en-US"/>
           </a:p>
@@ -1414,7 +2423,7 @@
           <a:p>
             <a:fld id="{825F02D5-E8AB-4E1F-BBBB-FE64A83E11BE}" type="datetimeFigureOut">
               <a:rPr lang="en-US" smtClean="0"/>
-              <a:t>5/23/2024</a:t>
+              <a:t>5/25/2024</a:t>
             </a:fld>
             <a:endParaRPr lang="en-US"/>
           </a:p>
@@ -1829,7 +2838,7 @@
           <a:p>
             <a:fld id="{825F02D5-E8AB-4E1F-BBBB-FE64A83E11BE}" type="datetimeFigureOut">
               <a:rPr lang="en-US" smtClean="0"/>
-              <a:t>5/23/2024</a:t>
+              <a:t>5/25/2024</a:t>
             </a:fld>
             <a:endParaRPr lang="en-US"/>
           </a:p>
@@ -1971,7 +2980,7 @@
           <a:p>
             <a:fld id="{825F02D5-E8AB-4E1F-BBBB-FE64A83E11BE}" type="datetimeFigureOut">
               <a:rPr lang="en-US" smtClean="0"/>
-              <a:t>5/23/2024</a:t>
+              <a:t>5/25/2024</a:t>
             </a:fld>
             <a:endParaRPr lang="en-US"/>
           </a:p>
@@ -2084,7 +3093,7 @@
           <a:p>
             <a:fld id="{825F02D5-E8AB-4E1F-BBBB-FE64A83E11BE}" type="datetimeFigureOut">
               <a:rPr lang="en-US" smtClean="0"/>
-              <a:t>5/23/2024</a:t>
+              <a:t>5/25/2024</a:t>
             </a:fld>
             <a:endParaRPr lang="en-US"/>
           </a:p>
@@ -2397,7 +3406,7 @@
           <a:p>
             <a:fld id="{825F02D5-E8AB-4E1F-BBBB-FE64A83E11BE}" type="datetimeFigureOut">
               <a:rPr lang="en-US" smtClean="0"/>
-              <a:t>5/23/2024</a:t>
+              <a:t>5/25/2024</a:t>
             </a:fld>
             <a:endParaRPr lang="en-US"/>
           </a:p>
@@ -2686,7 +3695,7 @@
           <a:p>
             <a:fld id="{825F02D5-E8AB-4E1F-BBBB-FE64A83E11BE}" type="datetimeFigureOut">
               <a:rPr lang="en-US" smtClean="0"/>
-              <a:t>5/23/2024</a:t>
+              <a:t>5/25/2024</a:t>
             </a:fld>
             <a:endParaRPr lang="en-US"/>
           </a:p>
@@ -2929,7 +3938,7 @@
           <a:p>
             <a:fld id="{825F02D5-E8AB-4E1F-BBBB-FE64A83E11BE}" type="datetimeFigureOut">
               <a:rPr lang="en-US" smtClean="0"/>
-              <a:t>5/23/2024</a:t>
+              <a:t>5/25/2024</a:t>
             </a:fld>
             <a:endParaRPr lang="en-US"/>
           </a:p>
@@ -3371,7 +4380,7 @@
               <a:rPr lang="ru-RU" dirty="0">
                 <a:latin typeface="EoSD" pitchFamily="2" charset="0"/>
               </a:rPr>
-              <a:t>Электрохимический градиент</a:t>
+              <a:t>Распространение нервного импульса</a:t>
             </a:r>
             <a:endParaRPr lang="en-US" dirty="0">
               <a:latin typeface="EoSD" pitchFamily="2" charset="0"/>
@@ -3379,45 +4388,12 @@
           </a:p>
         </p:txBody>
       </p:sp>
-      <p:sp>
-        <p:nvSpPr>
-          <p:cNvPr id="3" name="Подзаголовок 2">
-            <a:extLst>
-              <a:ext uri="{FF2B5EF4-FFF2-40B4-BE49-F238E27FC236}">
-                <a16:creationId xmlns:a16="http://schemas.microsoft.com/office/drawing/2014/main" id="{9901019D-9C68-4AC9-8C95-D6C51AFAAEDA}"/>
-              </a:ext>
-            </a:extLst>
-          </p:cNvPr>
-          <p:cNvSpPr>
-            <a:spLocks noGrp="1"/>
-          </p:cNvSpPr>
-          <p:nvPr>
-            <p:ph type="subTitle" idx="1"/>
-          </p:nvPr>
-        </p:nvSpPr>
-        <p:spPr/>
-        <p:txBody>
-          <a:bodyPr/>
-          <a:lstStyle/>
-          <a:p>
-            <a:r>
-              <a:rPr lang="ru-RU" dirty="0">
-                <a:latin typeface="EoSD" pitchFamily="2" charset="0"/>
-              </a:rPr>
-              <a:t>Как движущая сила вещества</a:t>
-            </a:r>
-            <a:endParaRPr lang="en-US" dirty="0">
-              <a:latin typeface="EoSD" pitchFamily="2" charset="0"/>
-            </a:endParaRPr>
-          </a:p>
-        </p:txBody>
-      </p:sp>
       <p:pic>
         <p:nvPicPr>
-          <p:cNvPr id="1026" name="Picture 2" descr="Picture background">
-            <a:extLst>
-              <a:ext uri="{FF2B5EF4-FFF2-40B4-BE49-F238E27FC236}">
-                <a16:creationId xmlns:a16="http://schemas.microsoft.com/office/drawing/2014/main" id="{7EC3E785-B372-4CF9-B110-575207124D28}"/>
+          <p:cNvPr id="4" name="Picture 2" descr="Picture background">
+            <a:extLst>
+              <a:ext uri="{FF2B5EF4-FFF2-40B4-BE49-F238E27FC236}">
+                <a16:creationId xmlns:a16="http://schemas.microsoft.com/office/drawing/2014/main" id="{8F31D25C-8EF0-46AB-837F-4A9A265C486E}"/>
               </a:ext>
             </a:extLst>
           </p:cNvPr>
@@ -3433,7 +4409,7 @@
                 <a14:imgProps xmlns:a14="http://schemas.microsoft.com/office/drawing/2010/main">
                   <a14:imgLayer r:embed="rId3">
                     <a14:imgEffect>
-                      <a14:brightnessContrast bright="40000" contrast="-40000"/>
+                      <a14:brightnessContrast bright="20000" contrast="-40000"/>
                     </a14:imgEffect>
                   </a14:imgLayer>
                 </a14:imgProps>
@@ -3450,8 +4426,8 @@
         </p:blipFill>
         <p:spPr bwMode="auto">
           <a:xfrm>
-            <a:off x="8285583" y="3602038"/>
-            <a:ext cx="3579283" cy="2684462"/>
+            <a:off x="9190653" y="3956180"/>
+            <a:ext cx="2761861" cy="2761861"/>
           </a:xfrm>
           <a:prstGeom prst="rect">
             <a:avLst/>
@@ -3519,35 +4495,77 @@
           <a:bodyPr/>
           <a:lstStyle/>
           <a:p>
-            <a:endParaRPr lang="en-US"/>
-          </a:p>
-        </p:txBody>
-      </p:sp>
-      <p:sp>
-        <p:nvSpPr>
-          <p:cNvPr id="3" name="Объект 2">
-            <a:extLst>
-              <a:ext uri="{FF2B5EF4-FFF2-40B4-BE49-F238E27FC236}">
-                <a16:creationId xmlns:a16="http://schemas.microsoft.com/office/drawing/2014/main" id="{066BFF99-FA78-44BA-8C56-32F5448C4101}"/>
-              </a:ext>
-            </a:extLst>
-          </p:cNvPr>
-          <p:cNvSpPr>
-            <a:spLocks noGrp="1"/>
-          </p:cNvSpPr>
+            <a:r>
+              <a:rPr lang="ru-RU" dirty="0">
+                <a:latin typeface="EoSD" pitchFamily="2" charset="0"/>
+              </a:rPr>
+              <a:t>Вдоль волокна</a:t>
+            </a:r>
+            <a:endParaRPr lang="en-US" dirty="0">
+              <a:latin typeface="EoSD" pitchFamily="2" charset="0"/>
+            </a:endParaRPr>
+          </a:p>
+        </p:txBody>
+      </p:sp>
+      <p:pic>
+        <p:nvPicPr>
+          <p:cNvPr id="5" name="Объект 4">
+            <a:extLst>
+              <a:ext uri="{FF2B5EF4-FFF2-40B4-BE49-F238E27FC236}">
+                <a16:creationId xmlns:a16="http://schemas.microsoft.com/office/drawing/2014/main" id="{326388E9-143A-4FCB-9006-D169DFAFB9EF}"/>
+              </a:ext>
+            </a:extLst>
+          </p:cNvPr>
+          <p:cNvPicPr>
+            <a:picLocks noGrp="1" noChangeAspect="1"/>
+          </p:cNvPicPr>
           <p:nvPr>
             <p:ph idx="1"/>
           </p:nvPr>
-        </p:nvSpPr>
-        <p:spPr/>
-        <p:txBody>
-          <a:bodyPr/>
-          <a:lstStyle/>
-          <a:p>
-            <a:endParaRPr lang="en-US"/>
-          </a:p>
-        </p:txBody>
-      </p:sp>
+        </p:nvPicPr>
+        <p:blipFill>
+          <a:blip r:embed="rId2"/>
+          <a:stretch>
+            <a:fillRect/>
+          </a:stretch>
+        </p:blipFill>
+        <p:spPr>
+          <a:xfrm>
+            <a:off x="4921588" y="478473"/>
+            <a:ext cx="6582694" cy="1981477"/>
+          </a:xfrm>
+        </p:spPr>
+      </p:pic>
+      <p:pic>
+        <p:nvPicPr>
+          <p:cNvPr id="7" name="Рисунок 6">
+            <a:extLst>
+              <a:ext uri="{FF2B5EF4-FFF2-40B4-BE49-F238E27FC236}">
+                <a16:creationId xmlns:a16="http://schemas.microsoft.com/office/drawing/2014/main" id="{2FABCB36-7043-47E2-A79F-0D4AE27154DF}"/>
+              </a:ext>
+            </a:extLst>
+          </p:cNvPr>
+          <p:cNvPicPr>
+            <a:picLocks noChangeAspect="1"/>
+          </p:cNvPicPr>
+          <p:nvPr/>
+        </p:nvPicPr>
+        <p:blipFill>
+          <a:blip r:embed="rId3"/>
+          <a:stretch>
+            <a:fillRect/>
+          </a:stretch>
+        </p:blipFill>
+        <p:spPr>
+          <a:xfrm>
+            <a:off x="1723415" y="2650714"/>
+            <a:ext cx="8745170" cy="3553321"/>
+          </a:xfrm>
+          <a:prstGeom prst="rect">
+            <a:avLst/>
+          </a:prstGeom>
+        </p:spPr>
+      </p:pic>
     </p:spTree>
     <p:extLst>
       <p:ext uri="{BB962C8B-B14F-4D97-AF65-F5344CB8AC3E}">
@@ -3599,32 +4617,276 @@
           <a:bodyPr/>
           <a:lstStyle/>
           <a:p>
-            <a:endParaRPr lang="en-US"/>
-          </a:p>
-        </p:txBody>
-      </p:sp>
-      <p:sp>
-        <p:nvSpPr>
-          <p:cNvPr id="3" name="Объект 2">
-            <a:extLst>
-              <a:ext uri="{FF2B5EF4-FFF2-40B4-BE49-F238E27FC236}">
-                <a16:creationId xmlns:a16="http://schemas.microsoft.com/office/drawing/2014/main" id="{6CCB91F1-B8ED-4A51-BFA9-E5C1D810D2CF}"/>
-              </a:ext>
-            </a:extLst>
-          </p:cNvPr>
-          <p:cNvSpPr>
-            <a:spLocks noGrp="1"/>
-          </p:cNvSpPr>
+            <a:r>
+              <a:rPr lang="ru-RU" dirty="0">
+                <a:latin typeface="EoSD" pitchFamily="2" charset="0"/>
+              </a:rPr>
+              <a:t>Миелиновые и </a:t>
+            </a:r>
+            <a:r>
+              <a:rPr lang="ru-RU" dirty="0" err="1">
+                <a:latin typeface="EoSD" pitchFamily="2" charset="0"/>
+              </a:rPr>
+              <a:t>безмиелиновые</a:t>
+            </a:r>
+            <a:r>
+              <a:rPr lang="ru-RU" dirty="0">
+                <a:latin typeface="EoSD" pitchFamily="2" charset="0"/>
+              </a:rPr>
+              <a:t> волокна</a:t>
+            </a:r>
+            <a:endParaRPr lang="en-US" dirty="0">
+              <a:latin typeface="EoSD" pitchFamily="2" charset="0"/>
+            </a:endParaRPr>
+          </a:p>
+        </p:txBody>
+      </p:sp>
+      <p:pic>
+        <p:nvPicPr>
+          <p:cNvPr id="2052" name="Picture 4">
+            <a:extLst>
+              <a:ext uri="{FF2B5EF4-FFF2-40B4-BE49-F238E27FC236}">
+                <a16:creationId xmlns:a16="http://schemas.microsoft.com/office/drawing/2014/main" id="{84B103BE-F0A8-4D11-829E-0E34DCDF3E32}"/>
+              </a:ext>
+            </a:extLst>
+          </p:cNvPr>
+          <p:cNvPicPr>
+            <a:picLocks noGrp="1" noChangeAspect="1" noChangeArrowheads="1" noCrop="1"/>
+          </p:cNvPicPr>
           <p:nvPr>
             <p:ph idx="1"/>
           </p:nvPr>
-        </p:nvSpPr>
-        <p:spPr/>
-        <p:txBody>
-          <a:bodyPr/>
-          <a:lstStyle/>
-          <a:p>
-            <a:endParaRPr lang="en-US"/>
+        </p:nvPicPr>
+        <p:blipFill>
+          <a:blip r:embed="rId2">
+            <a:extLst>
+              <a:ext uri="{28A0092B-C50C-407E-A947-70E740481C1C}">
+                <a14:useLocalDpi xmlns:a14="http://schemas.microsoft.com/office/drawing/2010/main" val="0"/>
+              </a:ext>
+            </a:extLst>
+          </a:blip>
+          <a:srcRect/>
+          <a:stretch>
+            <a:fillRect/>
+          </a:stretch>
+        </p:blipFill>
+        <p:spPr bwMode="auto">
+          <a:xfrm>
+            <a:off x="838200" y="2203597"/>
+            <a:ext cx="3685203" cy="3685203"/>
+          </a:xfrm>
+          <a:prstGeom prst="rect">
+            <a:avLst/>
+          </a:prstGeom>
+          <a:noFill/>
+          <a:extLst>
+            <a:ext uri="{909E8E84-426E-40DD-AFC4-6F175D3DCCD1}">
+              <a14:hiddenFill xmlns:a14="http://schemas.microsoft.com/office/drawing/2010/main">
+                <a:solidFill>
+                  <a:srgbClr val="FFFFFF"/>
+                </a:solidFill>
+              </a14:hiddenFill>
+            </a:ext>
+          </a:extLst>
+        </p:spPr>
+      </p:pic>
+      <p:sp>
+        <p:nvSpPr>
+          <p:cNvPr id="9" name="TextBox 8">
+            <a:extLst>
+              <a:ext uri="{FF2B5EF4-FFF2-40B4-BE49-F238E27FC236}">
+                <a16:creationId xmlns:a16="http://schemas.microsoft.com/office/drawing/2014/main" id="{78263B99-0043-42CC-AD69-170FA02DF13E}"/>
+              </a:ext>
+            </a:extLst>
+          </p:cNvPr>
+          <p:cNvSpPr txBox="1"/>
+          <p:nvPr/>
+        </p:nvSpPr>
+        <p:spPr>
+          <a:xfrm>
+            <a:off x="5138835" y="2195481"/>
+            <a:ext cx="6097554" cy="3416320"/>
+          </a:xfrm>
+          <a:prstGeom prst="rect">
+            <a:avLst/>
+          </a:prstGeom>
+          <a:noFill/>
+        </p:spPr>
+        <p:txBody>
+          <a:bodyPr wrap="square">
+            <a:spAutoFit/>
+          </a:bodyPr>
+          <a:lstStyle/>
+          <a:p>
+            <a:pPr algn="l">
+              <a:buFont typeface="+mj-lt"/>
+              <a:buAutoNum type="arabicPeriod"/>
+            </a:pPr>
+            <a:r>
+              <a:rPr lang="ru-RU" b="0" i="0" dirty="0">
+                <a:solidFill>
+                  <a:srgbClr val="FFC000"/>
+                </a:solidFill>
+                <a:effectLst/>
+                <a:latin typeface="EoSD" pitchFamily="2" charset="0"/>
+              </a:rPr>
+              <a:t>Непрерывное проведение </a:t>
+            </a:r>
+            <a:r>
+              <a:rPr lang="ru-RU" b="0" i="0" dirty="0">
+                <a:solidFill>
+                  <a:srgbClr val="333333"/>
+                </a:solidFill>
+                <a:effectLst/>
+                <a:latin typeface="EoSD" pitchFamily="2" charset="0"/>
+              </a:rPr>
+              <a:t>происходит в мышечных волокнах и в </a:t>
+            </a:r>
+            <a:r>
+              <a:rPr lang="ru-RU" b="0" i="0" dirty="0" err="1">
+                <a:solidFill>
+                  <a:srgbClr val="333333"/>
+                </a:solidFill>
+                <a:effectLst/>
+                <a:latin typeface="EoSD" pitchFamily="2" charset="0"/>
+              </a:rPr>
+              <a:t>безмиелиновых</a:t>
+            </a:r>
+            <a:r>
+              <a:rPr lang="ru-RU" b="0" i="0" dirty="0">
+                <a:solidFill>
+                  <a:srgbClr val="333333"/>
+                </a:solidFill>
+                <a:effectLst/>
+                <a:latin typeface="EoSD" pitchFamily="2" charset="0"/>
+              </a:rPr>
+              <a:t> нервных волокнах (тип С). Оно начинается с распространения колеблющегося электрического поля.</a:t>
+            </a:r>
+          </a:p>
+          <a:p>
+            <a:pPr algn="l">
+              <a:buFont typeface="+mj-lt"/>
+              <a:buAutoNum type="arabicPeriod"/>
+            </a:pPr>
+            <a:endParaRPr lang="ru-RU" b="0" i="0" dirty="0">
+              <a:solidFill>
+                <a:srgbClr val="333333"/>
+              </a:solidFill>
+              <a:effectLst/>
+              <a:latin typeface="EoSD" pitchFamily="2" charset="0"/>
+            </a:endParaRPr>
+          </a:p>
+          <a:p>
+            <a:pPr algn="l">
+              <a:buFont typeface="+mj-lt"/>
+              <a:buAutoNum type="arabicPeriod"/>
+            </a:pPr>
+            <a:r>
+              <a:rPr lang="ru-RU" b="0" i="0" dirty="0" err="1">
+                <a:solidFill>
+                  <a:srgbClr val="FFC000"/>
+                </a:solidFill>
+                <a:effectLst/>
+                <a:latin typeface="EoSD" pitchFamily="2" charset="0"/>
+              </a:rPr>
+              <a:t>Бездекрементное</a:t>
+            </a:r>
+            <a:r>
+              <a:rPr lang="ru-RU" b="0" i="0" dirty="0">
+                <a:solidFill>
+                  <a:srgbClr val="FFC000"/>
+                </a:solidFill>
+                <a:effectLst/>
+                <a:latin typeface="EoSD" pitchFamily="2" charset="0"/>
+              </a:rPr>
+              <a:t> </a:t>
+            </a:r>
+            <a:r>
+              <a:rPr lang="en-US" b="0" i="0" dirty="0">
+                <a:solidFill>
+                  <a:srgbClr val="FFC000"/>
+                </a:solidFill>
+                <a:effectLst/>
+                <a:latin typeface="EoSD" pitchFamily="2" charset="0"/>
+              </a:rPr>
+              <a:t> </a:t>
+            </a:r>
+            <a:r>
+              <a:rPr lang="ru-RU" b="0" i="0" dirty="0">
+                <a:solidFill>
+                  <a:srgbClr val="FFC000"/>
+                </a:solidFill>
+                <a:effectLst/>
+                <a:latin typeface="EoSD" pitchFamily="2" charset="0"/>
+              </a:rPr>
+              <a:t>/ </a:t>
+            </a:r>
+            <a:r>
+              <a:rPr lang="ru-RU" b="0" i="0" dirty="0" err="1">
+                <a:solidFill>
+                  <a:srgbClr val="FFC000"/>
+                </a:solidFill>
+                <a:effectLst/>
+                <a:latin typeface="EoSD" pitchFamily="2" charset="0"/>
+              </a:rPr>
+              <a:t>Сальтоторное</a:t>
+            </a:r>
+            <a:r>
+              <a:rPr lang="ru-RU" b="0" i="0" dirty="0">
+                <a:solidFill>
+                  <a:srgbClr val="FFC000"/>
+                </a:solidFill>
+                <a:effectLst/>
+                <a:latin typeface="EoSD" pitchFamily="2" charset="0"/>
+              </a:rPr>
+              <a:t> проведение</a:t>
+            </a:r>
+            <a:r>
+              <a:rPr lang="ru-RU" b="0" i="0" dirty="0">
+                <a:solidFill>
+                  <a:srgbClr val="333333"/>
+                </a:solidFill>
+                <a:effectLst/>
+                <a:latin typeface="EoSD" pitchFamily="2" charset="0"/>
+              </a:rPr>
+              <a:t> происходит в миелиновых волокнах (типы А и В). Оно является эволюционно более поздним механизмом, возникшим впервые у позвоночных. </a:t>
+            </a:r>
+            <a:r>
+              <a:rPr lang="ru-RU" b="0" i="0" dirty="0" err="1">
+                <a:effectLst/>
+                <a:latin typeface="EoSD" pitchFamily="2" charset="0"/>
+              </a:rPr>
+              <a:t>Бездекрементное</a:t>
+            </a:r>
+            <a:r>
+              <a:rPr lang="ru-RU" b="0" i="0" dirty="0">
+                <a:effectLst/>
+                <a:latin typeface="EoSD" pitchFamily="2" charset="0"/>
+              </a:rPr>
+              <a:t> проведение </a:t>
+            </a:r>
+            <a:r>
+              <a:rPr lang="ru-RU" b="0" i="0" dirty="0">
+                <a:solidFill>
+                  <a:srgbClr val="333333"/>
+                </a:solidFill>
+                <a:effectLst/>
+                <a:latin typeface="EoSD" pitchFamily="2" charset="0"/>
+              </a:rPr>
+              <a:t>— проведение без затухания. Оно осуществляется по всей длине нервного волокна, и в каждом его участке импульс возникает заново по закону «всё или ничего».</a:t>
+            </a:r>
+          </a:p>
+          <a:p>
+            <a:br>
+              <a:rPr lang="ru-RU" b="1" i="0" u="none" strike="noStrike" dirty="0">
+                <a:effectLst/>
+                <a:latin typeface="EoSD" pitchFamily="2" charset="0"/>
+                <a:hlinkClick r:id="rId3" tooltip="tsmu.edu — Нервные волокна — это отростки нейронов, с помощью которыхосу-"/>
+              </a:rPr>
+            </a:br>
+            <a:endParaRPr lang="en-US" dirty="0">
+              <a:latin typeface="EoSD" pitchFamily="2" charset="0"/>
+            </a:endParaRPr>
           </a:p>
         </p:txBody>
       </p:sp>
@@ -3663,7 +4925,7 @@
           <p:cNvPr id="2" name="Заголовок 1">
             <a:extLst>
               <a:ext uri="{FF2B5EF4-FFF2-40B4-BE49-F238E27FC236}">
-                <a16:creationId xmlns:a16="http://schemas.microsoft.com/office/drawing/2014/main" id="{0E95331C-8B8E-440B-AA27-D81A390084DC}"/>
+                <a16:creationId xmlns:a16="http://schemas.microsoft.com/office/drawing/2014/main" id="{C7296E38-E86E-41E9-B467-9D2C08C6389C}"/>
               </a:ext>
             </a:extLst>
           </p:cNvPr>
@@ -3676,42 +4938,184 @@
         </p:nvSpPr>
         <p:spPr/>
         <p:txBody>
+          <a:bodyPr>
+            <a:normAutofit/>
+          </a:bodyPr>
+          <a:lstStyle/>
+          <a:p>
+            <a:r>
+              <a:rPr lang="ru-RU" b="0" i="0" dirty="0">
+                <a:solidFill>
+                  <a:srgbClr val="373D3F"/>
+                </a:solidFill>
+                <a:effectLst/>
+                <a:latin typeface="EoSD" pitchFamily="2" charset="0"/>
+              </a:rPr>
+              <a:t>Выделяют следующие законы проведения возбуждения по нервным волокнам: </a:t>
+            </a:r>
+            <a:endParaRPr lang="en-US" dirty="0"/>
+          </a:p>
+        </p:txBody>
+      </p:sp>
+      <p:sp>
+        <p:nvSpPr>
+          <p:cNvPr id="3" name="Объект 2">
+            <a:extLst>
+              <a:ext uri="{FF2B5EF4-FFF2-40B4-BE49-F238E27FC236}">
+                <a16:creationId xmlns:a16="http://schemas.microsoft.com/office/drawing/2014/main" id="{D6E4C89E-4E9C-4D35-99C2-A374118BEB13}"/>
+              </a:ext>
+            </a:extLst>
+          </p:cNvPr>
+          <p:cNvSpPr>
+            <a:spLocks noGrp="1"/>
+          </p:cNvSpPr>
+          <p:nvPr>
+            <p:ph idx="1"/>
+          </p:nvPr>
+        </p:nvSpPr>
+        <p:spPr/>
+        <p:txBody>
           <a:bodyPr/>
           <a:lstStyle/>
           <a:p>
-            <a:endParaRPr lang="en-US"/>
-          </a:p>
-        </p:txBody>
-      </p:sp>
-      <p:sp>
-        <p:nvSpPr>
-          <p:cNvPr id="3" name="Объект 2">
-            <a:extLst>
-              <a:ext uri="{FF2B5EF4-FFF2-40B4-BE49-F238E27FC236}">
-                <a16:creationId xmlns:a16="http://schemas.microsoft.com/office/drawing/2014/main" id="{98684084-D839-47C6-9E84-8E907622AE19}"/>
-              </a:ext>
-            </a:extLst>
-          </p:cNvPr>
-          <p:cNvSpPr>
-            <a:spLocks noGrp="1"/>
-          </p:cNvSpPr>
-          <p:nvPr>
-            <p:ph idx="1"/>
-          </p:nvPr>
-        </p:nvSpPr>
-        <p:spPr/>
-        <p:txBody>
-          <a:bodyPr/>
-          <a:lstStyle/>
-          <a:p>
-            <a:endParaRPr lang="en-US"/>
-          </a:p>
-        </p:txBody>
-      </p:sp>
+            <a:pPr marL="514350" indent="-514350">
+              <a:buAutoNum type="arabicParenR"/>
+            </a:pPr>
+            <a:r>
+              <a:rPr lang="ru-RU" b="0" i="0" dirty="0">
+                <a:solidFill>
+                  <a:srgbClr val="373D3F"/>
+                </a:solidFill>
+                <a:effectLst/>
+                <a:latin typeface="EoSD" pitchFamily="2" charset="0"/>
+              </a:rPr>
+              <a:t>закон изолированного проведения возбуждения; </a:t>
+            </a:r>
+          </a:p>
+          <a:p>
+            <a:pPr marL="514350" indent="-514350">
+              <a:buAutoNum type="arabicParenR"/>
+            </a:pPr>
+            <a:r>
+              <a:rPr lang="ru-RU" b="0" i="0" dirty="0">
+                <a:solidFill>
+                  <a:srgbClr val="373D3F"/>
+                </a:solidFill>
+                <a:effectLst/>
+                <a:latin typeface="EoSD" pitchFamily="2" charset="0"/>
+              </a:rPr>
+              <a:t>закон анатомической и физиологической целостности нервного волокна; </a:t>
+            </a:r>
+          </a:p>
+          <a:p>
+            <a:pPr marL="514350" indent="-514350">
+              <a:buAutoNum type="arabicParenR"/>
+            </a:pPr>
+            <a:r>
+              <a:rPr lang="ru-RU" b="0" i="0" dirty="0">
+                <a:solidFill>
+                  <a:srgbClr val="373D3F"/>
+                </a:solidFill>
+                <a:effectLst/>
+                <a:latin typeface="EoSD" pitchFamily="2" charset="0"/>
+              </a:rPr>
+              <a:t>закон двустороннего проведения возбуждения; </a:t>
+            </a:r>
+          </a:p>
+          <a:p>
+            <a:pPr marL="514350" indent="-514350">
+              <a:buAutoNum type="arabicParenR"/>
+            </a:pPr>
+            <a:r>
+              <a:rPr lang="ru-RU" b="0" i="0" dirty="0">
+                <a:solidFill>
+                  <a:srgbClr val="373D3F"/>
+                </a:solidFill>
+                <a:effectLst/>
+                <a:latin typeface="EoSD" pitchFamily="2" charset="0"/>
+              </a:rPr>
+              <a:t>закон практической </a:t>
+            </a:r>
+            <a:r>
+              <a:rPr lang="ru-RU" b="0" i="0" dirty="0" err="1">
+                <a:solidFill>
+                  <a:srgbClr val="373D3F"/>
+                </a:solidFill>
+                <a:effectLst/>
+                <a:latin typeface="EoSD" pitchFamily="2" charset="0"/>
+              </a:rPr>
+              <a:t>неутомляемости</a:t>
+            </a:r>
+            <a:r>
+              <a:rPr lang="ru-RU" b="0" i="0" dirty="0">
+                <a:solidFill>
+                  <a:srgbClr val="373D3F"/>
+                </a:solidFill>
+                <a:effectLst/>
+                <a:latin typeface="EoSD" pitchFamily="2" charset="0"/>
+              </a:rPr>
+              <a:t> нервных волокон; </a:t>
+            </a:r>
+          </a:p>
+          <a:p>
+            <a:pPr marL="514350" indent="-514350">
+              <a:buAutoNum type="arabicParenR"/>
+            </a:pPr>
+            <a:r>
+              <a:rPr lang="ru-RU" b="0" i="0" dirty="0">
+                <a:solidFill>
+                  <a:srgbClr val="373D3F"/>
+                </a:solidFill>
+                <a:effectLst/>
+                <a:latin typeface="EoSD" pitchFamily="2" charset="0"/>
+              </a:rPr>
+              <a:t>закон прямой пропорциональной зависимости скорости проведения импульса от диаметра нервного волокна.</a:t>
+            </a:r>
+            <a:endParaRPr lang="en-US" dirty="0">
+              <a:latin typeface="EoSD" pitchFamily="2" charset="0"/>
+            </a:endParaRPr>
+          </a:p>
+          <a:p>
+            <a:endParaRPr lang="en-US" dirty="0">
+              <a:latin typeface="EoSD" pitchFamily="2" charset="0"/>
+            </a:endParaRPr>
+          </a:p>
+        </p:txBody>
+      </p:sp>
+      <p:graphicFrame>
+        <p:nvGraphicFramePr>
+          <p:cNvPr id="4" name="Диаграмма 3">
+            <a:extLst>
+              <a:ext uri="{FF2B5EF4-FFF2-40B4-BE49-F238E27FC236}">
+                <a16:creationId xmlns:a16="http://schemas.microsoft.com/office/drawing/2014/main" id="{DFC61788-245E-49FD-9C50-2F96E52B182C}"/>
+              </a:ext>
+            </a:extLst>
+          </p:cNvPr>
+          <p:cNvGraphicFramePr>
+            <a:graphicFrameLocks/>
+          </p:cNvGraphicFramePr>
+          <p:nvPr>
+            <p:extLst>
+              <p:ext uri="{D42A27DB-BD31-4B8C-83A1-F6EECF244321}">
+                <p14:modId xmlns:p14="http://schemas.microsoft.com/office/powerpoint/2010/main" val="968503500"/>
+              </p:ext>
+            </p:extLst>
+          </p:nvPr>
+        </p:nvGraphicFramePr>
+        <p:xfrm>
+          <a:off x="7299649" y="4212771"/>
+          <a:ext cx="4572000" cy="2743200"/>
+        </p:xfrm>
+        <a:graphic>
+          <a:graphicData uri="http://schemas.openxmlformats.org/drawingml/2006/chart">
+            <c:chart xmlns:c="http://schemas.openxmlformats.org/drawingml/2006/chart" xmlns:r="http://schemas.openxmlformats.org/officeDocument/2006/relationships" r:id="rId2"/>
+          </a:graphicData>
+        </a:graphic>
+      </p:graphicFrame>
     </p:spTree>
     <p:extLst>
       <p:ext uri="{BB962C8B-B14F-4D97-AF65-F5344CB8AC3E}">
-        <p14:creationId xmlns:p14="http://schemas.microsoft.com/office/powerpoint/2010/main" val="2540429267"/>
+        <p14:creationId xmlns:p14="http://schemas.microsoft.com/office/powerpoint/2010/main" val="2212281973"/>
       </p:ext>
     </p:extLst>
   </p:cSld>
@@ -3743,7 +5147,7 @@
           <p:cNvPr id="2" name="Заголовок 1">
             <a:extLst>
               <a:ext uri="{FF2B5EF4-FFF2-40B4-BE49-F238E27FC236}">
-                <a16:creationId xmlns:a16="http://schemas.microsoft.com/office/drawing/2014/main" id="{C7296E38-E86E-41E9-B467-9D2C08C6389C}"/>
+                <a16:creationId xmlns:a16="http://schemas.microsoft.com/office/drawing/2014/main" id="{415D6C8B-98B3-4EEA-A43C-2285B6DB0C06}"/>
               </a:ext>
             </a:extLst>
           </p:cNvPr>
@@ -3759,7 +5163,15 @@
           <a:bodyPr/>
           <a:lstStyle/>
           <a:p>
-            <a:endParaRPr lang="en-US"/>
+            <a:r>
+              <a:rPr lang="ru-RU" dirty="0">
+                <a:latin typeface="EoSD" pitchFamily="2" charset="0"/>
+              </a:rPr>
+              <a:t>Зависимость силы от расстояния – экспоненциальная зависимость</a:t>
+            </a:r>
+            <a:endParaRPr lang="en-US" dirty="0">
+              <a:latin typeface="EoSD" pitchFamily="2" charset="0"/>
+            </a:endParaRPr>
           </a:p>
         </p:txBody>
       </p:sp>
@@ -3768,7 +5180,7 @@
           <p:cNvPr id="3" name="Объект 2">
             <a:extLst>
               <a:ext uri="{FF2B5EF4-FFF2-40B4-BE49-F238E27FC236}">
-                <a16:creationId xmlns:a16="http://schemas.microsoft.com/office/drawing/2014/main" id="{D6E4C89E-4E9C-4D35-99C2-A374118BEB13}"/>
+                <a16:creationId xmlns:a16="http://schemas.microsoft.com/office/drawing/2014/main" id="{18017CCE-EF5A-434D-96CB-E59E26DB8647}"/>
               </a:ext>
             </a:extLst>
           </p:cNvPr>
@@ -3784,14 +5196,288 @@
           <a:bodyPr/>
           <a:lstStyle/>
           <a:p>
-            <a:endParaRPr lang="en-US"/>
-          </a:p>
-        </p:txBody>
-      </p:sp>
+            <a:r>
+              <a:rPr lang="ru-RU" dirty="0">
+                <a:latin typeface="EoSD" pitchFamily="2" charset="0"/>
+              </a:rPr>
+              <a:t> где λ– кабельная постоянная, расстояние, на котором величина потенциала уменьшится в e (= 2.71818 раз), а х – расстояние.</a:t>
+            </a:r>
+            <a:endParaRPr lang="en-US" dirty="0">
+              <a:latin typeface="EoSD" pitchFamily="2" charset="0"/>
+            </a:endParaRPr>
+          </a:p>
+        </p:txBody>
+      </p:sp>
+      <p:sp>
+        <p:nvSpPr>
+          <p:cNvPr id="6" name="TextBox 5">
+            <a:extLst>
+              <a:ext uri="{FF2B5EF4-FFF2-40B4-BE49-F238E27FC236}">
+                <a16:creationId xmlns:a16="http://schemas.microsoft.com/office/drawing/2014/main" id="{6D710A45-B84B-4901-A13E-506D9E9BE488}"/>
+              </a:ext>
+            </a:extLst>
+          </p:cNvPr>
+          <p:cNvSpPr txBox="1"/>
+          <p:nvPr/>
+        </p:nvSpPr>
+        <p:spPr>
+          <a:xfrm>
+            <a:off x="5640355" y="2971800"/>
+            <a:ext cx="65" cy="276999"/>
+          </a:xfrm>
+          <a:prstGeom prst="rect">
+            <a:avLst/>
+          </a:prstGeom>
+          <a:noFill/>
+        </p:spPr>
+        <p:txBody>
+          <a:bodyPr wrap="none" lIns="0" tIns="0" rIns="0" bIns="0" rtlCol="0">
+            <a:spAutoFit/>
+          </a:bodyPr>
+          <a:lstStyle/>
+          <a:p>
+            <a:endParaRPr lang="en-US" dirty="0"/>
+          </a:p>
+        </p:txBody>
+      </p:sp>
+      <mc:AlternateContent xmlns:mc="http://schemas.openxmlformats.org/markup-compatibility/2006">
+        <mc:Choice xmlns:a14="http://schemas.microsoft.com/office/drawing/2010/main" Requires="a14">
+          <p:sp>
+            <p:nvSpPr>
+              <p:cNvPr id="8" name="TextBox 7">
+                <a:extLst>
+                  <a:ext uri="{FF2B5EF4-FFF2-40B4-BE49-F238E27FC236}">
+                    <a16:creationId xmlns:a16="http://schemas.microsoft.com/office/drawing/2014/main" id="{E7D7637B-A303-4EA0-82EF-CFC5101F439E}"/>
+                  </a:ext>
+                </a:extLst>
+              </p:cNvPr>
+              <p:cNvSpPr txBox="1"/>
+              <p:nvPr/>
+            </p:nvSpPr>
+            <p:spPr>
+              <a:xfrm>
+                <a:off x="-1086627" y="3313573"/>
+                <a:ext cx="9143222" cy="1375441"/>
+              </a:xfrm>
+              <a:prstGeom prst="rect">
+                <a:avLst/>
+              </a:prstGeom>
+              <a:noFill/>
+            </p:spPr>
+            <p:txBody>
+              <a:bodyPr wrap="square">
+                <a:spAutoFit/>
+              </a:bodyPr>
+              <a:lstStyle/>
+              <a:p>
+                <a:pPr/>
+                <a14:m>
+                  <m:oMathPara xmlns:m="http://schemas.openxmlformats.org/officeDocument/2006/math">
+                    <m:oMathParaPr>
+                      <m:jc m:val="centerGroup"/>
+                    </m:oMathParaPr>
+                    <m:oMath xmlns:m="http://schemas.openxmlformats.org/officeDocument/2006/math">
+                      <m:r>
+                        <a:rPr lang="en-US" sz="6000" i="1" smtClean="0">
+                          <a:latin typeface="Cambria Math" panose="02040503050406030204" pitchFamily="18" charset="0"/>
+                        </a:rPr>
+                        <m:t>𝜑</m:t>
+                      </m:r>
+                      <m:r>
+                        <a:rPr lang="en-US" sz="6000" i="0">
+                          <a:latin typeface="Cambria Math" panose="02040503050406030204" pitchFamily="18" charset="0"/>
+                        </a:rPr>
+                        <m:t>= </m:t>
+                      </m:r>
+                      <m:sSub>
+                        <m:sSubPr>
+                          <m:ctrlPr>
+                            <a:rPr lang="en-US" sz="6000" i="1">
+                              <a:solidFill>
+                                <a:srgbClr val="836967"/>
+                              </a:solidFill>
+                              <a:latin typeface="Cambria Math" panose="02040503050406030204" pitchFamily="18" charset="0"/>
+                            </a:rPr>
+                          </m:ctrlPr>
+                        </m:sSubPr>
+                        <m:e>
+                          <m:r>
+                            <a:rPr lang="en-US" sz="6000" i="1">
+                              <a:latin typeface="Cambria Math" panose="02040503050406030204" pitchFamily="18" charset="0"/>
+                            </a:rPr>
+                            <m:t>𝑅</m:t>
+                          </m:r>
+                        </m:e>
+                        <m:sub>
+                          <m:r>
+                            <a:rPr lang="en-US" sz="6000" i="0">
+                              <a:latin typeface="Cambria Math" panose="02040503050406030204" pitchFamily="18" charset="0"/>
+                            </a:rPr>
+                            <m:t>0</m:t>
+                          </m:r>
+                        </m:sub>
+                      </m:sSub>
+                      <m:r>
+                        <a:rPr lang="en-US" sz="6000" i="0">
+                          <a:latin typeface="Cambria Math" panose="02040503050406030204" pitchFamily="18" charset="0"/>
+                        </a:rPr>
+                        <m:t> </m:t>
+                      </m:r>
+                      <m:sSup>
+                        <m:sSupPr>
+                          <m:ctrlPr>
+                            <a:rPr lang="en-US" sz="6000" i="1">
+                              <a:solidFill>
+                                <a:srgbClr val="836967"/>
+                              </a:solidFill>
+                              <a:latin typeface="Cambria Math" panose="02040503050406030204" pitchFamily="18" charset="0"/>
+                            </a:rPr>
+                          </m:ctrlPr>
+                        </m:sSupPr>
+                        <m:e>
+                          <m:r>
+                            <a:rPr lang="en-US" sz="6000" i="1">
+                              <a:latin typeface="Cambria Math" panose="02040503050406030204" pitchFamily="18" charset="0"/>
+                            </a:rPr>
+                            <m:t>𝑒</m:t>
+                          </m:r>
+                        </m:e>
+                        <m:sup>
+                          <m:f>
+                            <m:fPr>
+                              <m:ctrlPr>
+                                <a:rPr lang="en-US" sz="6000" i="1">
+                                  <a:solidFill>
+                                    <a:srgbClr val="836967"/>
+                                  </a:solidFill>
+                                  <a:latin typeface="Cambria Math" panose="02040503050406030204" pitchFamily="18" charset="0"/>
+                                </a:rPr>
+                              </m:ctrlPr>
+                            </m:fPr>
+                            <m:num>
+                              <m:r>
+                                <a:rPr lang="en-US" sz="6000" i="0">
+                                  <a:latin typeface="Cambria Math" panose="02040503050406030204" pitchFamily="18" charset="0"/>
+                                </a:rPr>
+                                <m:t>−</m:t>
+                              </m:r>
+                              <m:r>
+                                <a:rPr lang="en-US" sz="6000" i="1">
+                                  <a:latin typeface="Cambria Math" panose="02040503050406030204" pitchFamily="18" charset="0"/>
+                                </a:rPr>
+                                <m:t>𝑥</m:t>
+                              </m:r>
+                            </m:num>
+                            <m:den>
+                              <m:r>
+                                <a:rPr lang="en-US" sz="6000" i="1">
+                                  <a:latin typeface="Cambria Math" panose="02040503050406030204" pitchFamily="18" charset="0"/>
+                                </a:rPr>
+                                <m:t>𝜆</m:t>
+                              </m:r>
+                            </m:den>
+                          </m:f>
+                        </m:sup>
+                      </m:sSup>
+                    </m:oMath>
+                  </m:oMathPara>
+                </a14:m>
+                <a:endParaRPr lang="en-US" sz="6000" dirty="0"/>
+              </a:p>
+            </p:txBody>
+          </p:sp>
+        </mc:Choice>
+        <mc:Fallback>
+          <p:sp>
+            <p:nvSpPr>
+              <p:cNvPr id="8" name="TextBox 7">
+                <a:extLst>
+                  <a:ext uri="{FF2B5EF4-FFF2-40B4-BE49-F238E27FC236}">
+                    <a16:creationId xmlns:a16="http://schemas.microsoft.com/office/drawing/2014/main" id="{E7D7637B-A303-4EA0-82EF-CFC5101F439E}"/>
+                  </a:ext>
+                </a:extLst>
+              </p:cNvPr>
+              <p:cNvSpPr txBox="1">
+                <a:spLocks noRot="1" noChangeAspect="1" noMove="1" noResize="1" noEditPoints="1" noAdjustHandles="1" noChangeArrowheads="1" noChangeShapeType="1" noTextEdit="1"/>
+              </p:cNvSpPr>
+              <p:nvPr/>
+            </p:nvSpPr>
+            <p:spPr>
+              <a:xfrm>
+                <a:off x="-1086627" y="3313573"/>
+                <a:ext cx="9143222" cy="1375441"/>
+              </a:xfrm>
+              <a:prstGeom prst="rect">
+                <a:avLst/>
+              </a:prstGeom>
+              <a:blipFill>
+                <a:blip r:embed="rId2"/>
+                <a:stretch>
+                  <a:fillRect/>
+                </a:stretch>
+              </a:blipFill>
+            </p:spPr>
+            <p:txBody>
+              <a:bodyPr/>
+              <a:lstStyle/>
+              <a:p>
+                <a:r>
+                  <a:rPr lang="en-US">
+                    <a:noFill/>
+                  </a:rPr>
+                  <a:t> </a:t>
+                </a:r>
+              </a:p>
+            </p:txBody>
+          </p:sp>
+        </mc:Fallback>
+      </mc:AlternateContent>
+      <p:pic>
+        <p:nvPicPr>
+          <p:cNvPr id="10" name="Рисунок 9">
+            <a:extLst>
+              <a:ext uri="{FF2B5EF4-FFF2-40B4-BE49-F238E27FC236}">
+                <a16:creationId xmlns:a16="http://schemas.microsoft.com/office/drawing/2014/main" id="{644863D1-E5FF-469B-9AAD-C7D48D938E6B}"/>
+              </a:ext>
+            </a:extLst>
+          </p:cNvPr>
+          <p:cNvPicPr>
+            <a:picLocks noChangeAspect="1"/>
+          </p:cNvPicPr>
+          <p:nvPr/>
+        </p:nvPicPr>
+        <p:blipFill>
+          <a:blip r:embed="rId3">
+            <a:extLst>
+              <a:ext uri="{BEBA8EAE-BF5A-486C-A8C5-ECC9F3942E4B}">
+                <a14:imgProps xmlns:a14="http://schemas.microsoft.com/office/drawing/2010/main">
+                  <a14:imgLayer r:embed="rId4">
+                    <a14:imgEffect>
+                      <a14:brightnessContrast bright="20000" contrast="-40000"/>
+                    </a14:imgEffect>
+                  </a14:imgLayer>
+                </a14:imgProps>
+              </a:ext>
+            </a:extLst>
+          </a:blip>
+          <a:stretch>
+            <a:fillRect/>
+          </a:stretch>
+        </p:blipFill>
+        <p:spPr>
+          <a:xfrm>
+            <a:off x="6551582" y="2924126"/>
+            <a:ext cx="4671469" cy="3529776"/>
+          </a:xfrm>
+          <a:prstGeom prst="rect">
+            <a:avLst/>
+          </a:prstGeom>
+        </p:spPr>
+      </p:pic>
     </p:spTree>
     <p:extLst>
       <p:ext uri="{BB962C8B-B14F-4D97-AF65-F5344CB8AC3E}">
-        <p14:creationId xmlns:p14="http://schemas.microsoft.com/office/powerpoint/2010/main" val="2212281973"/>
+        <p14:creationId xmlns:p14="http://schemas.microsoft.com/office/powerpoint/2010/main" val="610352665"/>
       </p:ext>
     </p:extLst>
   </p:cSld>
